--- a/batch1/ppt/FOOD ORDERING SYSTEM-2.pptx
+++ b/batch1/ppt/FOOD ORDERING SYSTEM-2.pptx
@@ -124,7 +124,7 @@
   </p:defaultTextStyle>
   <p:extLst>
     <p:ext uri="{EFAFB233-063F-42B5-8137-9DF3F51BA10A}">
-      <p15:sldGuideLst xmlns:p15="http://schemas.microsoft.com/office/powerpoint/2012/main">
+      <p15:sldGuideLst xmlns:p15="http://schemas.microsoft.com/office/powerpoint/2012/main" xmlns="">
         <p15:guide id="1" orient="horz" pos="2160">
           <p15:clr>
             <a:srgbClr val="A4A3A4"/>
@@ -477,7 +477,7 @@
             <a:fld id="{1C6E12D2-DA3A-480B-BCDF-BFB6C7EBE402}" type="datetimeFigureOut">
               <a:rPr lang="en-US" smtClean="0"/>
               <a:pPr/>
-              <a:t>3/7/2023</a:t>
+              <a:t>3/26/2023</a:t>
             </a:fld>
             <a:endParaRPr lang="en-US"/>
           </a:p>
@@ -1562,7 +1562,7 @@
             <a:fld id="{1C6E12D2-DA3A-480B-BCDF-BFB6C7EBE402}" type="datetimeFigureOut">
               <a:rPr lang="en-US" smtClean="0"/>
               <a:pPr/>
-              <a:t>3/7/2023</a:t>
+              <a:t>3/26/2023</a:t>
             </a:fld>
             <a:endParaRPr lang="en-US"/>
           </a:p>
@@ -2539,7 +2539,7 @@
             <a:fld id="{1C6E12D2-DA3A-480B-BCDF-BFB6C7EBE402}" type="datetimeFigureOut">
               <a:rPr lang="en-US" smtClean="0"/>
               <a:pPr/>
-              <a:t>3/7/2023</a:t>
+              <a:t>3/26/2023</a:t>
             </a:fld>
             <a:endParaRPr lang="en-US"/>
           </a:p>
@@ -3670,7 +3670,7 @@
             <a:fld id="{1C6E12D2-DA3A-480B-BCDF-BFB6C7EBE402}" type="datetimeFigureOut">
               <a:rPr lang="en-US" smtClean="0"/>
               <a:pPr/>
-              <a:t>3/7/2023</a:t>
+              <a:t>3/26/2023</a:t>
             </a:fld>
             <a:endParaRPr lang="en-US"/>
           </a:p>
@@ -4700,7 +4700,7 @@
             <a:fld id="{1C6E12D2-DA3A-480B-BCDF-BFB6C7EBE402}" type="datetimeFigureOut">
               <a:rPr lang="en-US" smtClean="0"/>
               <a:pPr/>
-              <a:t>3/7/2023</a:t>
+              <a:t>3/26/2023</a:t>
             </a:fld>
             <a:endParaRPr lang="en-US"/>
           </a:p>
@@ -5357,7 +5357,7 @@
             <a:fld id="{1C6E12D2-DA3A-480B-BCDF-BFB6C7EBE402}" type="datetimeFigureOut">
               <a:rPr lang="en-US" smtClean="0"/>
               <a:pPr/>
-              <a:t>3/7/2023</a:t>
+              <a:t>3/26/2023</a:t>
             </a:fld>
             <a:endParaRPr lang="en-US"/>
           </a:p>
@@ -6215,7 +6215,7 @@
             <a:fld id="{1C6E12D2-DA3A-480B-BCDF-BFB6C7EBE402}" type="datetimeFigureOut">
               <a:rPr lang="en-US" smtClean="0"/>
               <a:pPr/>
-              <a:t>3/7/2023</a:t>
+              <a:t>3/26/2023</a:t>
             </a:fld>
             <a:endParaRPr lang="en-US"/>
           </a:p>
@@ -6402,7 +6402,7 @@
             <a:fld id="{1C6E12D2-DA3A-480B-BCDF-BFB6C7EBE402}" type="datetimeFigureOut">
               <a:rPr lang="en-US" smtClean="0"/>
               <a:pPr/>
-              <a:t>3/7/2023</a:t>
+              <a:t>3/26/2023</a:t>
             </a:fld>
             <a:endParaRPr lang="en-US"/>
           </a:p>
@@ -7371,7 +7371,7 @@
             <a:fld id="{1C6E12D2-DA3A-480B-BCDF-BFB6C7EBE402}" type="datetimeFigureOut">
               <a:rPr lang="en-US" smtClean="0"/>
               <a:pPr/>
-              <a:t>3/7/2023</a:t>
+              <a:t>3/26/2023</a:t>
             </a:fld>
             <a:endParaRPr lang="en-US"/>
           </a:p>
@@ -7579,7 +7579,7 @@
             <a:fld id="{1C6E12D2-DA3A-480B-BCDF-BFB6C7EBE402}" type="datetimeFigureOut">
               <a:rPr lang="en-US" smtClean="0"/>
               <a:pPr/>
-              <a:t>3/7/2023</a:t>
+              <a:t>3/26/2023</a:t>
             </a:fld>
             <a:endParaRPr lang="en-US"/>
           </a:p>
@@ -8610,7 +8610,7 @@
             <a:fld id="{1C6E12D2-DA3A-480B-BCDF-BFB6C7EBE402}" type="datetimeFigureOut">
               <a:rPr lang="en-US" smtClean="0"/>
               <a:pPr/>
-              <a:t>3/7/2023</a:t>
+              <a:t>3/26/2023</a:t>
             </a:fld>
             <a:endParaRPr lang="en-US"/>
           </a:p>
@@ -8879,7 +8879,7 @@
             <a:fld id="{1C6E12D2-DA3A-480B-BCDF-BFB6C7EBE402}" type="datetimeFigureOut">
               <a:rPr lang="en-US" smtClean="0"/>
               <a:pPr/>
-              <a:t>3/7/2023</a:t>
+              <a:t>3/26/2023</a:t>
             </a:fld>
             <a:endParaRPr lang="en-US"/>
           </a:p>
@@ -9286,7 +9286,7 @@
             <a:fld id="{1C6E12D2-DA3A-480B-BCDF-BFB6C7EBE402}" type="datetimeFigureOut">
               <a:rPr lang="en-US" smtClean="0"/>
               <a:pPr/>
-              <a:t>3/7/2023</a:t>
+              <a:t>3/26/2023</a:t>
             </a:fld>
             <a:endParaRPr lang="en-US"/>
           </a:p>
@@ -9410,7 +9410,7 @@
             <a:fld id="{1C6E12D2-DA3A-480B-BCDF-BFB6C7EBE402}" type="datetimeFigureOut">
               <a:rPr lang="en-US" smtClean="0"/>
               <a:pPr/>
-              <a:t>3/7/2023</a:t>
+              <a:t>3/26/2023</a:t>
             </a:fld>
             <a:endParaRPr lang="en-US"/>
           </a:p>
@@ -9502,7 +9502,7 @@
             <a:fld id="{1C6E12D2-DA3A-480B-BCDF-BFB6C7EBE402}" type="datetimeFigureOut">
               <a:rPr lang="en-US" smtClean="0"/>
               <a:pPr/>
-              <a:t>3/7/2023</a:t>
+              <a:t>3/26/2023</a:t>
             </a:fld>
             <a:endParaRPr lang="en-US"/>
           </a:p>
@@ -10580,7 +10580,7 @@
             <a:fld id="{1C6E12D2-DA3A-480B-BCDF-BFB6C7EBE402}" type="datetimeFigureOut">
               <a:rPr lang="en-US" smtClean="0"/>
               <a:pPr/>
-              <a:t>3/7/2023</a:t>
+              <a:t>3/26/2023</a:t>
             </a:fld>
             <a:endParaRPr lang="en-US"/>
           </a:p>
@@ -11685,7 +11685,7 @@
             <a:fld id="{1C6E12D2-DA3A-480B-BCDF-BFB6C7EBE402}" type="datetimeFigureOut">
               <a:rPr lang="en-US" smtClean="0"/>
               <a:pPr/>
-              <a:t>3/7/2023</a:t>
+              <a:t>3/26/2023</a:t>
             </a:fld>
             <a:endParaRPr lang="en-US"/>
           </a:p>
@@ -12679,7 +12679,7 @@
             <a:fld id="{1C6E12D2-DA3A-480B-BCDF-BFB6C7EBE402}" type="datetimeFigureOut">
               <a:rPr lang="en-US" smtClean="0"/>
               <a:pPr/>
-              <a:t>3/7/2023</a:t>
+              <a:t>3/26/2023</a:t>
             </a:fld>
             <a:endParaRPr lang="en-US"/>
           </a:p>
@@ -13543,6 +13543,14 @@
               </a:rPr>
               <a:t>TABLE NAME: WAITER</a:t>
             </a:r>
+            <a:r>
+              <a:rPr lang="en-US" sz="1800" dirty="0">
+                <a:effectLst/>
+                <a:latin typeface="Times New Roman" panose="02020603050405020304" pitchFamily="18" charset="0"/>
+                <a:ea typeface="Times New Roman" panose="02020603050405020304" pitchFamily="18" charset="0"/>
+              </a:rPr>
+              <a:t/>
+            </a:r>
             <a:br>
               <a:rPr lang="en-US" sz="1800" dirty="0">
                 <a:effectLst/>
@@ -13578,28 +13586,28 @@
                 <a:gridCol w="1667903">
                   <a:extLst>
                     <a:ext uri="{9D8B030D-6E8A-4147-A177-3AD203B41FA5}">
-                      <a16:colId xmlns:a16="http://schemas.microsoft.com/office/drawing/2014/main" val="20000"/>
+                      <a16:colId xmlns:a16="http://schemas.microsoft.com/office/drawing/2014/main" xmlns="" val="20000"/>
                     </a:ext>
                   </a:extLst>
                 </a:gridCol>
                 <a:gridCol w="1667903">
                   <a:extLst>
                     <a:ext uri="{9D8B030D-6E8A-4147-A177-3AD203B41FA5}">
-                      <a16:colId xmlns:a16="http://schemas.microsoft.com/office/drawing/2014/main" val="20001"/>
+                      <a16:colId xmlns:a16="http://schemas.microsoft.com/office/drawing/2014/main" xmlns="" val="20001"/>
                     </a:ext>
                   </a:extLst>
                 </a:gridCol>
                 <a:gridCol w="1668625">
                   <a:extLst>
                     <a:ext uri="{9D8B030D-6E8A-4147-A177-3AD203B41FA5}">
-                      <a16:colId xmlns:a16="http://schemas.microsoft.com/office/drawing/2014/main" val="20002"/>
+                      <a16:colId xmlns:a16="http://schemas.microsoft.com/office/drawing/2014/main" xmlns="" val="20002"/>
                     </a:ext>
                   </a:extLst>
                 </a:gridCol>
                 <a:gridCol w="1668625">
                   <a:extLst>
                     <a:ext uri="{9D8B030D-6E8A-4147-A177-3AD203B41FA5}">
-                      <a16:colId xmlns:a16="http://schemas.microsoft.com/office/drawing/2014/main" val="20003"/>
+                      <a16:colId xmlns:a16="http://schemas.microsoft.com/office/drawing/2014/main" xmlns="" val="20003"/>
                     </a:ext>
                   </a:extLst>
                 </a:gridCol>
@@ -13622,12 +13630,12 @@
                         </a:spcAft>
                       </a:pPr>
                       <a:r>
-                        <a:rPr lang="en-US" sz="1200">
+                        <a:rPr lang="en-US" sz="1200" dirty="0">
                           <a:effectLst/>
                         </a:rPr>
                         <a:t>FIELD </a:t>
                       </a:r>
-                      <a:endParaRPr lang="en-US" sz="1100">
+                      <a:endParaRPr lang="en-US" sz="1100" dirty="0">
                         <a:effectLst/>
                         <a:latin typeface="Times New Roman" panose="02020603050405020304" pitchFamily="18" charset="0"/>
                         <a:ea typeface="Times New Roman" panose="02020603050405020304" pitchFamily="18" charset="0"/>
@@ -13731,7 +13739,7 @@
                 </a:tc>
                 <a:extLst>
                   <a:ext uri="{0D108BD9-81ED-4DB2-BD59-A6C34878D82A}">
-                    <a16:rowId xmlns:a16="http://schemas.microsoft.com/office/drawing/2014/main" val="10000"/>
+                    <a16:rowId xmlns:a16="http://schemas.microsoft.com/office/drawing/2014/main" xmlns="" val="10000"/>
                   </a:ext>
                 </a:extLst>
               </a:tr>
@@ -13753,12 +13761,12 @@
                         </a:spcAft>
                       </a:pPr>
                       <a:r>
-                        <a:rPr lang="en-US" sz="1200">
+                        <a:rPr lang="en-US" sz="1200" dirty="0">
                           <a:effectLst/>
                         </a:rPr>
                         <a:t>Waiter id</a:t>
                       </a:r>
-                      <a:endParaRPr lang="en-US" sz="1100">
+                      <a:endParaRPr lang="en-US" sz="1100" dirty="0">
                         <a:effectLst/>
                         <a:latin typeface="Times New Roman" panose="02020603050405020304" pitchFamily="18" charset="0"/>
                         <a:ea typeface="Times New Roman" panose="02020603050405020304" pitchFamily="18" charset="0"/>
@@ -13784,12 +13792,12 @@
                         </a:spcAft>
                       </a:pPr>
                       <a:r>
-                        <a:rPr lang="en-US" sz="1200">
+                        <a:rPr lang="en-US" sz="1200" dirty="0" err="1">
                           <a:effectLst/>
                         </a:rPr>
                         <a:t>Int</a:t>
                       </a:r>
-                      <a:endParaRPr lang="en-US" sz="1100">
+                      <a:endParaRPr lang="en-US" sz="1100" dirty="0">
                         <a:effectLst/>
                         <a:latin typeface="Times New Roman" panose="02020603050405020304" pitchFamily="18" charset="0"/>
                         <a:ea typeface="Times New Roman" panose="02020603050405020304" pitchFamily="18" charset="0"/>
@@ -13862,7 +13870,7 @@
                 </a:tc>
                 <a:extLst>
                   <a:ext uri="{0D108BD9-81ED-4DB2-BD59-A6C34878D82A}">
-                    <a16:rowId xmlns:a16="http://schemas.microsoft.com/office/drawing/2014/main" val="10001"/>
+                    <a16:rowId xmlns:a16="http://schemas.microsoft.com/office/drawing/2014/main" xmlns="" val="10001"/>
                   </a:ext>
                 </a:extLst>
               </a:tr>
@@ -13884,12 +13892,12 @@
                         </a:spcAft>
                       </a:pPr>
                       <a:r>
-                        <a:rPr lang="en-US" sz="1200">
+                        <a:rPr lang="en-US" sz="1200" dirty="0">
                           <a:effectLst/>
                         </a:rPr>
                         <a:t>Waiter name</a:t>
                       </a:r>
-                      <a:endParaRPr lang="en-US" sz="1100">
+                      <a:endParaRPr lang="en-US" sz="1100" dirty="0">
                         <a:effectLst/>
                         <a:latin typeface="Times New Roman" panose="02020603050405020304" pitchFamily="18" charset="0"/>
                         <a:ea typeface="Times New Roman" panose="02020603050405020304" pitchFamily="18" charset="0"/>
@@ -13915,12 +13923,12 @@
                         </a:spcAft>
                       </a:pPr>
                       <a:r>
-                        <a:rPr lang="en-US" sz="1200">
+                        <a:rPr lang="en-US" sz="1200" dirty="0">
                           <a:effectLst/>
                         </a:rPr>
                         <a:t>Varchar </a:t>
                       </a:r>
-                      <a:endParaRPr lang="en-US" sz="1100">
+                      <a:endParaRPr lang="en-US" sz="1100" dirty="0">
                         <a:effectLst/>
                         <a:latin typeface="Times New Roman" panose="02020603050405020304" pitchFamily="18" charset="0"/>
                         <a:ea typeface="Times New Roman" panose="02020603050405020304" pitchFamily="18" charset="0"/>
@@ -13946,12 +13954,12 @@
                         </a:spcAft>
                       </a:pPr>
                       <a:r>
-                        <a:rPr lang="en-US" sz="1200">
+                        <a:rPr lang="en-US" sz="1200" dirty="0">
                           <a:effectLst/>
                         </a:rPr>
                         <a:t>20</a:t>
                       </a:r>
-                      <a:endParaRPr lang="en-US" sz="1100">
+                      <a:endParaRPr lang="en-US" sz="1100" dirty="0">
                         <a:effectLst/>
                         <a:latin typeface="Times New Roman" panose="02020603050405020304" pitchFamily="18" charset="0"/>
                         <a:ea typeface="Times New Roman" panose="02020603050405020304" pitchFamily="18" charset="0"/>
@@ -13993,7 +14001,7 @@
                 </a:tc>
                 <a:extLst>
                   <a:ext uri="{0D108BD9-81ED-4DB2-BD59-A6C34878D82A}">
-                    <a16:rowId xmlns:a16="http://schemas.microsoft.com/office/drawing/2014/main" val="10002"/>
+                    <a16:rowId xmlns:a16="http://schemas.microsoft.com/office/drawing/2014/main" xmlns="" val="10002"/>
                   </a:ext>
                 </a:extLst>
               </a:tr>
@@ -14046,12 +14054,12 @@
                         </a:spcAft>
                       </a:pPr>
                       <a:r>
-                        <a:rPr lang="en-US" sz="1200">
+                        <a:rPr lang="en-US" sz="1200" dirty="0">
                           <a:effectLst/>
                         </a:rPr>
                         <a:t>Varchar </a:t>
                       </a:r>
-                      <a:endParaRPr lang="en-US" sz="1100">
+                      <a:endParaRPr lang="en-US" sz="1100" dirty="0">
                         <a:effectLst/>
                         <a:latin typeface="Times New Roman" panose="02020603050405020304" pitchFamily="18" charset="0"/>
                         <a:ea typeface="Times New Roman" panose="02020603050405020304" pitchFamily="18" charset="0"/>
@@ -14077,12 +14085,12 @@
                         </a:spcAft>
                       </a:pPr>
                       <a:r>
-                        <a:rPr lang="en-US" sz="1200">
+                        <a:rPr lang="en-US" sz="1200" dirty="0">
                           <a:effectLst/>
                         </a:rPr>
                         <a:t>20</a:t>
                       </a:r>
-                      <a:endParaRPr lang="en-US" sz="1100">
+                      <a:endParaRPr lang="en-US" sz="1100" dirty="0">
                         <a:effectLst/>
                         <a:latin typeface="Times New Roman" panose="02020603050405020304" pitchFamily="18" charset="0"/>
                         <a:ea typeface="Times New Roman" panose="02020603050405020304" pitchFamily="18" charset="0"/>
@@ -14124,7 +14132,7 @@
                 </a:tc>
                 <a:extLst>
                   <a:ext uri="{0D108BD9-81ED-4DB2-BD59-A6C34878D82A}">
-                    <a16:rowId xmlns:a16="http://schemas.microsoft.com/office/drawing/2014/main" val="10003"/>
+                    <a16:rowId xmlns:a16="http://schemas.microsoft.com/office/drawing/2014/main" xmlns="" val="10003"/>
                   </a:ext>
                 </a:extLst>
               </a:tr>
@@ -14177,12 +14185,12 @@
                         </a:spcAft>
                       </a:pPr>
                       <a:r>
-                        <a:rPr lang="en-US" sz="1200">
+                        <a:rPr lang="en-US" sz="1200" dirty="0">
                           <a:effectLst/>
                         </a:rPr>
                         <a:t>Varchar</a:t>
                       </a:r>
-                      <a:endParaRPr lang="en-US" sz="1100">
+                      <a:endParaRPr lang="en-US" sz="1100" dirty="0">
                         <a:effectLst/>
                         <a:latin typeface="Times New Roman" panose="02020603050405020304" pitchFamily="18" charset="0"/>
                         <a:ea typeface="Times New Roman" panose="02020603050405020304" pitchFamily="18" charset="0"/>
@@ -14208,12 +14216,12 @@
                         </a:spcAft>
                       </a:pPr>
                       <a:r>
-                        <a:rPr lang="en-US" sz="1200">
+                        <a:rPr lang="en-US" sz="1200" dirty="0">
                           <a:effectLst/>
                         </a:rPr>
                         <a:t>20</a:t>
                       </a:r>
-                      <a:endParaRPr lang="en-US" sz="1100">
+                      <a:endParaRPr lang="en-US" sz="1100" dirty="0">
                         <a:effectLst/>
                         <a:latin typeface="Times New Roman" panose="02020603050405020304" pitchFamily="18" charset="0"/>
                         <a:ea typeface="Times New Roman" panose="02020603050405020304" pitchFamily="18" charset="0"/>
@@ -14255,7 +14263,7 @@
                 </a:tc>
                 <a:extLst>
                   <a:ext uri="{0D108BD9-81ED-4DB2-BD59-A6C34878D82A}">
-                    <a16:rowId xmlns:a16="http://schemas.microsoft.com/office/drawing/2014/main" val="10004"/>
+                    <a16:rowId xmlns:a16="http://schemas.microsoft.com/office/drawing/2014/main" xmlns="" val="10004"/>
                   </a:ext>
                 </a:extLst>
               </a:tr>
@@ -14311,6 +14319,14 @@
               </a:rPr>
               <a:t>TABLE NAME: MENU’S</a:t>
             </a:r>
+            <a:r>
+              <a:rPr lang="en-US" sz="1800" dirty="0">
+                <a:effectLst/>
+                <a:latin typeface="Times New Roman" panose="02020603050405020304" pitchFamily="18" charset="0"/>
+                <a:ea typeface="Times New Roman" panose="02020603050405020304" pitchFamily="18" charset="0"/>
+              </a:rPr>
+              <a:t/>
+            </a:r>
             <a:br>
               <a:rPr lang="en-US" sz="1800" dirty="0">
                 <a:effectLst/>
@@ -14346,28 +14362,28 @@
                 <a:gridCol w="1645786">
                   <a:extLst>
                     <a:ext uri="{9D8B030D-6E8A-4147-A177-3AD203B41FA5}">
-                      <a16:colId xmlns:a16="http://schemas.microsoft.com/office/drawing/2014/main" val="20000"/>
+                      <a16:colId xmlns:a16="http://schemas.microsoft.com/office/drawing/2014/main" xmlns="" val="20000"/>
                     </a:ext>
                   </a:extLst>
                 </a:gridCol>
                 <a:gridCol w="1645786">
                   <a:extLst>
                     <a:ext uri="{9D8B030D-6E8A-4147-A177-3AD203B41FA5}">
-                      <a16:colId xmlns:a16="http://schemas.microsoft.com/office/drawing/2014/main" val="20001"/>
+                      <a16:colId xmlns:a16="http://schemas.microsoft.com/office/drawing/2014/main" xmlns="" val="20001"/>
                     </a:ext>
                   </a:extLst>
                 </a:gridCol>
                 <a:gridCol w="1646497">
                   <a:extLst>
                     <a:ext uri="{9D8B030D-6E8A-4147-A177-3AD203B41FA5}">
-                      <a16:colId xmlns:a16="http://schemas.microsoft.com/office/drawing/2014/main" val="20002"/>
+                      <a16:colId xmlns:a16="http://schemas.microsoft.com/office/drawing/2014/main" xmlns="" val="20002"/>
                     </a:ext>
                   </a:extLst>
                 </a:gridCol>
                 <a:gridCol w="1646497">
                   <a:extLst>
                     <a:ext uri="{9D8B030D-6E8A-4147-A177-3AD203B41FA5}">
-                      <a16:colId xmlns:a16="http://schemas.microsoft.com/office/drawing/2014/main" val="20003"/>
+                      <a16:colId xmlns:a16="http://schemas.microsoft.com/office/drawing/2014/main" xmlns="" val="20003"/>
                     </a:ext>
                   </a:extLst>
                 </a:gridCol>
@@ -14390,12 +14406,12 @@
                         </a:spcAft>
                       </a:pPr>
                       <a:r>
-                        <a:rPr lang="en-US" sz="1200">
+                        <a:rPr lang="en-US" sz="1200" dirty="0">
                           <a:effectLst/>
                         </a:rPr>
                         <a:t>FIELD </a:t>
                       </a:r>
-                      <a:endParaRPr lang="en-US" sz="1100">
+                      <a:endParaRPr lang="en-US" sz="1100" dirty="0">
                         <a:effectLst/>
                         <a:latin typeface="Times New Roman" panose="02020603050405020304" pitchFamily="18" charset="0"/>
                         <a:ea typeface="Times New Roman" panose="02020603050405020304" pitchFamily="18" charset="0"/>
@@ -14499,7 +14515,7 @@
                 </a:tc>
                 <a:extLst>
                   <a:ext uri="{0D108BD9-81ED-4DB2-BD59-A6C34878D82A}">
-                    <a16:rowId xmlns:a16="http://schemas.microsoft.com/office/drawing/2014/main" val="10000"/>
+                    <a16:rowId xmlns:a16="http://schemas.microsoft.com/office/drawing/2014/main" xmlns="" val="10000"/>
                   </a:ext>
                 </a:extLst>
               </a:tr>
@@ -14521,12 +14537,12 @@
                         </a:spcAft>
                       </a:pPr>
                       <a:r>
-                        <a:rPr lang="en-US" sz="1200">
+                        <a:rPr lang="en-US" sz="1200" dirty="0">
                           <a:effectLst/>
                         </a:rPr>
                         <a:t>Menu id</a:t>
                       </a:r>
-                      <a:endParaRPr lang="en-US" sz="1100">
+                      <a:endParaRPr lang="en-US" sz="1100" dirty="0">
                         <a:effectLst/>
                         <a:latin typeface="Times New Roman" panose="02020603050405020304" pitchFamily="18" charset="0"/>
                         <a:ea typeface="Times New Roman" panose="02020603050405020304" pitchFamily="18" charset="0"/>
@@ -14552,12 +14568,12 @@
                         </a:spcAft>
                       </a:pPr>
                       <a:r>
-                        <a:rPr lang="en-US" sz="1200">
+                        <a:rPr lang="en-US" sz="1200" dirty="0" err="1">
                           <a:effectLst/>
                         </a:rPr>
                         <a:t>Int</a:t>
                       </a:r>
-                      <a:endParaRPr lang="en-US" sz="1100">
+                      <a:endParaRPr lang="en-US" sz="1100" dirty="0">
                         <a:effectLst/>
                         <a:latin typeface="Times New Roman" panose="02020603050405020304" pitchFamily="18" charset="0"/>
                         <a:ea typeface="Times New Roman" panose="02020603050405020304" pitchFamily="18" charset="0"/>
@@ -14630,7 +14646,7 @@
                 </a:tc>
                 <a:extLst>
                   <a:ext uri="{0D108BD9-81ED-4DB2-BD59-A6C34878D82A}">
-                    <a16:rowId xmlns:a16="http://schemas.microsoft.com/office/drawing/2014/main" val="10001"/>
+                    <a16:rowId xmlns:a16="http://schemas.microsoft.com/office/drawing/2014/main" xmlns="" val="10001"/>
                   </a:ext>
                 </a:extLst>
               </a:tr>
@@ -14683,12 +14699,12 @@
                         </a:spcAft>
                       </a:pPr>
                       <a:r>
-                        <a:rPr lang="en-US" sz="1200">
+                        <a:rPr lang="en-US" sz="1200" dirty="0">
                           <a:effectLst/>
                         </a:rPr>
                         <a:t>Varchar </a:t>
                       </a:r>
-                      <a:endParaRPr lang="en-US" sz="1100">
+                      <a:endParaRPr lang="en-US" sz="1100" dirty="0">
                         <a:effectLst/>
                         <a:latin typeface="Times New Roman" panose="02020603050405020304" pitchFamily="18" charset="0"/>
                         <a:ea typeface="Times New Roman" panose="02020603050405020304" pitchFamily="18" charset="0"/>
@@ -14761,7 +14777,7 @@
                 </a:tc>
                 <a:extLst>
                   <a:ext uri="{0D108BD9-81ED-4DB2-BD59-A6C34878D82A}">
-                    <a16:rowId xmlns:a16="http://schemas.microsoft.com/office/drawing/2014/main" val="10002"/>
+                    <a16:rowId xmlns:a16="http://schemas.microsoft.com/office/drawing/2014/main" xmlns="" val="10002"/>
                   </a:ext>
                 </a:extLst>
               </a:tr>
@@ -14814,12 +14830,12 @@
                         </a:spcAft>
                       </a:pPr>
                       <a:r>
-                        <a:rPr lang="en-US" sz="1200">
+                        <a:rPr lang="en-US" sz="1200" dirty="0" err="1">
                           <a:effectLst/>
                         </a:rPr>
                         <a:t>Int</a:t>
                       </a:r>
-                      <a:endParaRPr lang="en-US" sz="1100">
+                      <a:endParaRPr lang="en-US" sz="1100" dirty="0">
                         <a:effectLst/>
                         <a:latin typeface="Times New Roman" panose="02020603050405020304" pitchFamily="18" charset="0"/>
                         <a:ea typeface="Times New Roman" panose="02020603050405020304" pitchFamily="18" charset="0"/>
@@ -14845,12 +14861,12 @@
                         </a:spcAft>
                       </a:pPr>
                       <a:r>
-                        <a:rPr lang="en-US" sz="1200">
+                        <a:rPr lang="en-US" sz="1200" dirty="0">
                           <a:effectLst/>
                         </a:rPr>
                         <a:t>10</a:t>
                       </a:r>
-                      <a:endParaRPr lang="en-US" sz="1100">
+                      <a:endParaRPr lang="en-US" sz="1100" dirty="0">
                         <a:effectLst/>
                         <a:latin typeface="Times New Roman" panose="02020603050405020304" pitchFamily="18" charset="0"/>
                         <a:ea typeface="Times New Roman" panose="02020603050405020304" pitchFamily="18" charset="0"/>
@@ -14876,12 +14892,12 @@
                         </a:spcAft>
                       </a:pPr>
                       <a:r>
-                        <a:rPr lang="en-US" sz="1200">
+                        <a:rPr lang="en-US" sz="1200" dirty="0">
                           <a:effectLst/>
                         </a:rPr>
                         <a:t>Not null</a:t>
                       </a:r>
-                      <a:endParaRPr lang="en-US" sz="1100">
+                      <a:endParaRPr lang="en-US" sz="1100" dirty="0">
                         <a:effectLst/>
                         <a:latin typeface="Times New Roman" panose="02020603050405020304" pitchFamily="18" charset="0"/>
                         <a:ea typeface="Times New Roman" panose="02020603050405020304" pitchFamily="18" charset="0"/>
@@ -14892,7 +14908,7 @@
                 </a:tc>
                 <a:extLst>
                   <a:ext uri="{0D108BD9-81ED-4DB2-BD59-A6C34878D82A}">
-                    <a16:rowId xmlns:a16="http://schemas.microsoft.com/office/drawing/2014/main" val="10003"/>
+                    <a16:rowId xmlns:a16="http://schemas.microsoft.com/office/drawing/2014/main" xmlns="" val="10003"/>
                   </a:ext>
                 </a:extLst>
               </a:tr>
@@ -15023,7 +15039,7 @@
                 </a:tc>
                 <a:extLst>
                   <a:ext uri="{0D108BD9-81ED-4DB2-BD59-A6C34878D82A}">
-                    <a16:rowId xmlns:a16="http://schemas.microsoft.com/office/drawing/2014/main" val="10004"/>
+                    <a16:rowId xmlns:a16="http://schemas.microsoft.com/office/drawing/2014/main" xmlns="" val="10004"/>
                   </a:ext>
                 </a:extLst>
               </a:tr>
@@ -15079,6 +15095,14 @@
               </a:rPr>
               <a:t>TABLE NAME: ORDER</a:t>
             </a:r>
+            <a:r>
+              <a:rPr lang="en-US" sz="1800" dirty="0">
+                <a:effectLst/>
+                <a:latin typeface="Times New Roman" panose="02020603050405020304" pitchFamily="18" charset="0"/>
+                <a:ea typeface="Times New Roman" panose="02020603050405020304" pitchFamily="18" charset="0"/>
+              </a:rPr>
+              <a:t/>
+            </a:r>
             <a:br>
               <a:rPr lang="en-US" sz="1800" dirty="0">
                 <a:effectLst/>
@@ -15114,28 +15138,28 @@
                 <a:gridCol w="1601550">
                   <a:extLst>
                     <a:ext uri="{9D8B030D-6E8A-4147-A177-3AD203B41FA5}">
-                      <a16:colId xmlns:a16="http://schemas.microsoft.com/office/drawing/2014/main" val="20000"/>
+                      <a16:colId xmlns:a16="http://schemas.microsoft.com/office/drawing/2014/main" xmlns="" val="20000"/>
                     </a:ext>
                   </a:extLst>
                 </a:gridCol>
                 <a:gridCol w="1601550">
                   <a:extLst>
                     <a:ext uri="{9D8B030D-6E8A-4147-A177-3AD203B41FA5}">
-                      <a16:colId xmlns:a16="http://schemas.microsoft.com/office/drawing/2014/main" val="20001"/>
+                      <a16:colId xmlns:a16="http://schemas.microsoft.com/office/drawing/2014/main" xmlns="" val="20001"/>
                     </a:ext>
                   </a:extLst>
                 </a:gridCol>
                 <a:gridCol w="1602242">
                   <a:extLst>
                     <a:ext uri="{9D8B030D-6E8A-4147-A177-3AD203B41FA5}">
-                      <a16:colId xmlns:a16="http://schemas.microsoft.com/office/drawing/2014/main" val="20002"/>
+                      <a16:colId xmlns:a16="http://schemas.microsoft.com/office/drawing/2014/main" xmlns="" val="20002"/>
                     </a:ext>
                   </a:extLst>
                 </a:gridCol>
                 <a:gridCol w="1602242">
                   <a:extLst>
                     <a:ext uri="{9D8B030D-6E8A-4147-A177-3AD203B41FA5}">
-                      <a16:colId xmlns:a16="http://schemas.microsoft.com/office/drawing/2014/main" val="20003"/>
+                      <a16:colId xmlns:a16="http://schemas.microsoft.com/office/drawing/2014/main" xmlns="" val="20003"/>
                     </a:ext>
                   </a:extLst>
                 </a:gridCol>
@@ -15267,7 +15291,7 @@
                 </a:tc>
                 <a:extLst>
                   <a:ext uri="{0D108BD9-81ED-4DB2-BD59-A6C34878D82A}">
-                    <a16:rowId xmlns:a16="http://schemas.microsoft.com/office/drawing/2014/main" val="10000"/>
+                    <a16:rowId xmlns:a16="http://schemas.microsoft.com/office/drawing/2014/main" xmlns="" val="10000"/>
                   </a:ext>
                 </a:extLst>
               </a:tr>
@@ -15398,7 +15422,7 @@
                 </a:tc>
                 <a:extLst>
                   <a:ext uri="{0D108BD9-81ED-4DB2-BD59-A6C34878D82A}">
-                    <a16:rowId xmlns:a16="http://schemas.microsoft.com/office/drawing/2014/main" val="10001"/>
+                    <a16:rowId xmlns:a16="http://schemas.microsoft.com/office/drawing/2014/main" xmlns="" val="10001"/>
                   </a:ext>
                 </a:extLst>
               </a:tr>
@@ -15451,12 +15475,12 @@
                         </a:spcAft>
                       </a:pPr>
                       <a:r>
-                        <a:rPr lang="en-US" sz="1200">
+                        <a:rPr lang="en-US" sz="1200" dirty="0" err="1">
                           <a:effectLst/>
                         </a:rPr>
                         <a:t>Int</a:t>
                       </a:r>
-                      <a:endParaRPr lang="en-US" sz="1100">
+                      <a:endParaRPr lang="en-US" sz="1100" dirty="0">
                         <a:effectLst/>
                         <a:latin typeface="Times New Roman" panose="02020603050405020304" pitchFamily="18" charset="0"/>
                         <a:ea typeface="Times New Roman" panose="02020603050405020304" pitchFamily="18" charset="0"/>
@@ -15529,7 +15553,7 @@
                 </a:tc>
                 <a:extLst>
                   <a:ext uri="{0D108BD9-81ED-4DB2-BD59-A6C34878D82A}">
-                    <a16:rowId xmlns:a16="http://schemas.microsoft.com/office/drawing/2014/main" val="10002"/>
+                    <a16:rowId xmlns:a16="http://schemas.microsoft.com/office/drawing/2014/main" xmlns="" val="10002"/>
                   </a:ext>
                 </a:extLst>
               </a:tr>
@@ -15582,12 +15606,12 @@
                         </a:spcAft>
                       </a:pPr>
                       <a:r>
-                        <a:rPr lang="en-US" sz="1200">
+                        <a:rPr lang="en-US" sz="1200" dirty="0" err="1">
                           <a:effectLst/>
                         </a:rPr>
                         <a:t>Int</a:t>
                       </a:r>
-                      <a:endParaRPr lang="en-US" sz="1100">
+                      <a:endParaRPr lang="en-US" sz="1100" dirty="0">
                         <a:effectLst/>
                         <a:latin typeface="Times New Roman" panose="02020603050405020304" pitchFamily="18" charset="0"/>
                         <a:ea typeface="Times New Roman" panose="02020603050405020304" pitchFamily="18" charset="0"/>
@@ -15660,7 +15684,7 @@
                 </a:tc>
                 <a:extLst>
                   <a:ext uri="{0D108BD9-81ED-4DB2-BD59-A6C34878D82A}">
-                    <a16:rowId xmlns:a16="http://schemas.microsoft.com/office/drawing/2014/main" val="10003"/>
+                    <a16:rowId xmlns:a16="http://schemas.microsoft.com/office/drawing/2014/main" xmlns="" val="10003"/>
                   </a:ext>
                 </a:extLst>
               </a:tr>
@@ -15713,12 +15737,12 @@
                         </a:spcAft>
                       </a:pPr>
                       <a:r>
-                        <a:rPr lang="en-US" sz="1200">
+                        <a:rPr lang="en-US" sz="1200" dirty="0" err="1">
                           <a:effectLst/>
                         </a:rPr>
                         <a:t>Int</a:t>
                       </a:r>
-                      <a:endParaRPr lang="en-US" sz="1100">
+                      <a:endParaRPr lang="en-US" sz="1100" dirty="0">
                         <a:effectLst/>
                         <a:latin typeface="Times New Roman" panose="02020603050405020304" pitchFamily="18" charset="0"/>
                         <a:ea typeface="Times New Roman" panose="02020603050405020304" pitchFamily="18" charset="0"/>
@@ -15744,12 +15768,12 @@
                         </a:spcAft>
                       </a:pPr>
                       <a:r>
-                        <a:rPr lang="en-US" sz="1200">
+                        <a:rPr lang="en-US" sz="1200" dirty="0">
                           <a:effectLst/>
                         </a:rPr>
                         <a:t>5</a:t>
                       </a:r>
-                      <a:endParaRPr lang="en-US" sz="1100">
+                      <a:endParaRPr lang="en-US" sz="1100" dirty="0">
                         <a:effectLst/>
                         <a:latin typeface="Times New Roman" panose="02020603050405020304" pitchFamily="18" charset="0"/>
                         <a:ea typeface="Times New Roman" panose="02020603050405020304" pitchFamily="18" charset="0"/>
@@ -15791,7 +15815,7 @@
                 </a:tc>
                 <a:extLst>
                   <a:ext uri="{0D108BD9-81ED-4DB2-BD59-A6C34878D82A}">
-                    <a16:rowId xmlns:a16="http://schemas.microsoft.com/office/drawing/2014/main" val="10004"/>
+                    <a16:rowId xmlns:a16="http://schemas.microsoft.com/office/drawing/2014/main" xmlns="" val="10004"/>
                   </a:ext>
                 </a:extLst>
               </a:tr>
@@ -15875,12 +15899,12 @@
                         </a:spcAft>
                       </a:pPr>
                       <a:r>
-                        <a:rPr lang="en-US" sz="1200">
+                        <a:rPr lang="en-US" sz="1200" dirty="0">
                           <a:effectLst/>
                         </a:rPr>
                         <a:t>10</a:t>
                       </a:r>
-                      <a:endParaRPr lang="en-US" sz="1100">
+                      <a:endParaRPr lang="en-US" sz="1100" dirty="0">
                         <a:effectLst/>
                         <a:latin typeface="Times New Roman" panose="02020603050405020304" pitchFamily="18" charset="0"/>
                         <a:ea typeface="Times New Roman" panose="02020603050405020304" pitchFamily="18" charset="0"/>
@@ -15922,7 +15946,7 @@
                 </a:tc>
                 <a:extLst>
                   <a:ext uri="{0D108BD9-81ED-4DB2-BD59-A6C34878D82A}">
-                    <a16:rowId xmlns:a16="http://schemas.microsoft.com/office/drawing/2014/main" val="10005"/>
+                    <a16:rowId xmlns:a16="http://schemas.microsoft.com/office/drawing/2014/main" xmlns="" val="10005"/>
                   </a:ext>
                 </a:extLst>
               </a:tr>
@@ -15978,6 +16002,14 @@
               </a:rPr>
               <a:t>TABLE NAME: BILLING</a:t>
             </a:r>
+            <a:r>
+              <a:rPr lang="en-US" sz="1800" dirty="0">
+                <a:effectLst/>
+                <a:latin typeface="Times New Roman" panose="02020603050405020304" pitchFamily="18" charset="0"/>
+                <a:ea typeface="Times New Roman" panose="02020603050405020304" pitchFamily="18" charset="0"/>
+              </a:rPr>
+              <a:t/>
+            </a:r>
             <a:br>
               <a:rPr lang="en-US" sz="1800" dirty="0">
                 <a:effectLst/>
@@ -16013,28 +16045,28 @@
                 <a:gridCol w="1690021">
                   <a:extLst>
                     <a:ext uri="{9D8B030D-6E8A-4147-A177-3AD203B41FA5}">
-                      <a16:colId xmlns:a16="http://schemas.microsoft.com/office/drawing/2014/main" val="20000"/>
+                      <a16:colId xmlns:a16="http://schemas.microsoft.com/office/drawing/2014/main" xmlns="" val="20000"/>
                     </a:ext>
                   </a:extLst>
                 </a:gridCol>
                 <a:gridCol w="1690021">
                   <a:extLst>
                     <a:ext uri="{9D8B030D-6E8A-4147-A177-3AD203B41FA5}">
-                      <a16:colId xmlns:a16="http://schemas.microsoft.com/office/drawing/2014/main" val="20001"/>
+                      <a16:colId xmlns:a16="http://schemas.microsoft.com/office/drawing/2014/main" xmlns="" val="20001"/>
                     </a:ext>
                   </a:extLst>
                 </a:gridCol>
                 <a:gridCol w="1690752">
                   <a:extLst>
                     <a:ext uri="{9D8B030D-6E8A-4147-A177-3AD203B41FA5}">
-                      <a16:colId xmlns:a16="http://schemas.microsoft.com/office/drawing/2014/main" val="20002"/>
+                      <a16:colId xmlns:a16="http://schemas.microsoft.com/office/drawing/2014/main" xmlns="" val="20002"/>
                     </a:ext>
                   </a:extLst>
                 </a:gridCol>
                 <a:gridCol w="1690752">
                   <a:extLst>
                     <a:ext uri="{9D8B030D-6E8A-4147-A177-3AD203B41FA5}">
-                      <a16:colId xmlns:a16="http://schemas.microsoft.com/office/drawing/2014/main" val="20003"/>
+                      <a16:colId xmlns:a16="http://schemas.microsoft.com/office/drawing/2014/main" xmlns="" val="20003"/>
                     </a:ext>
                   </a:extLst>
                 </a:gridCol>
@@ -16057,12 +16089,12 @@
                         </a:spcAft>
                       </a:pPr>
                       <a:r>
-                        <a:rPr lang="en-US" sz="1200">
+                        <a:rPr lang="en-US" sz="1200" dirty="0">
                           <a:effectLst/>
                         </a:rPr>
                         <a:t>FIELD </a:t>
                       </a:r>
-                      <a:endParaRPr lang="en-US" sz="1100">
+                      <a:endParaRPr lang="en-US" sz="1100" dirty="0">
                         <a:effectLst/>
                         <a:latin typeface="Times New Roman" panose="02020603050405020304" pitchFamily="18" charset="0"/>
                         <a:ea typeface="Times New Roman" panose="02020603050405020304" pitchFamily="18" charset="0"/>
@@ -16166,7 +16198,7 @@
                 </a:tc>
                 <a:extLst>
                   <a:ext uri="{0D108BD9-81ED-4DB2-BD59-A6C34878D82A}">
-                    <a16:rowId xmlns:a16="http://schemas.microsoft.com/office/drawing/2014/main" val="10000"/>
+                    <a16:rowId xmlns:a16="http://schemas.microsoft.com/office/drawing/2014/main" xmlns="" val="10000"/>
                   </a:ext>
                 </a:extLst>
               </a:tr>
@@ -16188,12 +16220,12 @@
                         </a:spcAft>
                       </a:pPr>
                       <a:r>
-                        <a:rPr lang="en-US" sz="1200">
+                        <a:rPr lang="en-US" sz="1200" dirty="0">
                           <a:effectLst/>
                         </a:rPr>
                         <a:t>Bill id</a:t>
                       </a:r>
-                      <a:endParaRPr lang="en-US" sz="1100">
+                      <a:endParaRPr lang="en-US" sz="1100" dirty="0">
                         <a:effectLst/>
                         <a:latin typeface="Times New Roman" panose="02020603050405020304" pitchFamily="18" charset="0"/>
                         <a:ea typeface="Times New Roman" panose="02020603050405020304" pitchFamily="18" charset="0"/>
@@ -16219,12 +16251,12 @@
                         </a:spcAft>
                       </a:pPr>
                       <a:r>
-                        <a:rPr lang="en-US" sz="1200">
+                        <a:rPr lang="en-US" sz="1200" dirty="0" err="1">
                           <a:effectLst/>
                         </a:rPr>
                         <a:t>Int</a:t>
                       </a:r>
-                      <a:endParaRPr lang="en-US" sz="1100">
+                      <a:endParaRPr lang="en-US" sz="1100" dirty="0">
                         <a:effectLst/>
                         <a:latin typeface="Times New Roman" panose="02020603050405020304" pitchFamily="18" charset="0"/>
                         <a:ea typeface="Times New Roman" panose="02020603050405020304" pitchFamily="18" charset="0"/>
@@ -16250,12 +16282,12 @@
                         </a:spcAft>
                       </a:pPr>
                       <a:r>
-                        <a:rPr lang="en-US" sz="1200">
+                        <a:rPr lang="en-US" sz="1200" dirty="0">
                           <a:effectLst/>
                         </a:rPr>
                         <a:t>10</a:t>
                       </a:r>
-                      <a:endParaRPr lang="en-US" sz="1100">
+                      <a:endParaRPr lang="en-US" sz="1100" dirty="0">
                         <a:effectLst/>
                         <a:latin typeface="Times New Roman" panose="02020603050405020304" pitchFamily="18" charset="0"/>
                         <a:ea typeface="Times New Roman" panose="02020603050405020304" pitchFamily="18" charset="0"/>
@@ -16297,7 +16329,7 @@
                 </a:tc>
                 <a:extLst>
                   <a:ext uri="{0D108BD9-81ED-4DB2-BD59-A6C34878D82A}">
-                    <a16:rowId xmlns:a16="http://schemas.microsoft.com/office/drawing/2014/main" val="10001"/>
+                    <a16:rowId xmlns:a16="http://schemas.microsoft.com/office/drawing/2014/main" xmlns="" val="10001"/>
                   </a:ext>
                 </a:extLst>
               </a:tr>
@@ -16381,12 +16413,12 @@
                         </a:spcAft>
                       </a:pPr>
                       <a:r>
-                        <a:rPr lang="en-US" sz="1200">
+                        <a:rPr lang="en-US" sz="1200" dirty="0">
                           <a:effectLst/>
                         </a:rPr>
                         <a:t>10</a:t>
                       </a:r>
-                      <a:endParaRPr lang="en-US" sz="1100">
+                      <a:endParaRPr lang="en-US" sz="1100" dirty="0">
                         <a:effectLst/>
                         <a:latin typeface="Times New Roman" panose="02020603050405020304" pitchFamily="18" charset="0"/>
                         <a:ea typeface="Times New Roman" panose="02020603050405020304" pitchFamily="18" charset="0"/>
@@ -16428,7 +16460,7 @@
                 </a:tc>
                 <a:extLst>
                   <a:ext uri="{0D108BD9-81ED-4DB2-BD59-A6C34878D82A}">
-                    <a16:rowId xmlns:a16="http://schemas.microsoft.com/office/drawing/2014/main" val="10002"/>
+                    <a16:rowId xmlns:a16="http://schemas.microsoft.com/office/drawing/2014/main" xmlns="" val="10002"/>
                   </a:ext>
                 </a:extLst>
               </a:tr>
@@ -16512,12 +16544,12 @@
                         </a:spcAft>
                       </a:pPr>
                       <a:r>
-                        <a:rPr lang="en-US" sz="1200">
+                        <a:rPr lang="en-US" sz="1200" dirty="0">
                           <a:effectLst/>
                         </a:rPr>
                         <a:t>20</a:t>
                       </a:r>
-                      <a:endParaRPr lang="en-US" sz="1100">
+                      <a:endParaRPr lang="en-US" sz="1100" dirty="0">
                         <a:effectLst/>
                         <a:latin typeface="Times New Roman" panose="02020603050405020304" pitchFamily="18" charset="0"/>
                         <a:ea typeface="Times New Roman" panose="02020603050405020304" pitchFamily="18" charset="0"/>
@@ -16543,12 +16575,12 @@
                         </a:spcAft>
                       </a:pPr>
                       <a:r>
-                        <a:rPr lang="en-US" sz="1200">
+                        <a:rPr lang="en-US" sz="1200" dirty="0">
                           <a:effectLst/>
                         </a:rPr>
                         <a:t>Not null</a:t>
                       </a:r>
-                      <a:endParaRPr lang="en-US" sz="1100">
+                      <a:endParaRPr lang="en-US" sz="1100" dirty="0">
                         <a:effectLst/>
                         <a:latin typeface="Times New Roman" panose="02020603050405020304" pitchFamily="18" charset="0"/>
                         <a:ea typeface="Times New Roman" panose="02020603050405020304" pitchFamily="18" charset="0"/>
@@ -16559,7 +16591,7 @@
                 </a:tc>
                 <a:extLst>
                   <a:ext uri="{0D108BD9-81ED-4DB2-BD59-A6C34878D82A}">
-                    <a16:rowId xmlns:a16="http://schemas.microsoft.com/office/drawing/2014/main" val="10003"/>
+                    <a16:rowId xmlns:a16="http://schemas.microsoft.com/office/drawing/2014/main" xmlns="" val="10003"/>
                   </a:ext>
                 </a:extLst>
               </a:tr>
@@ -16690,7 +16722,7 @@
                 </a:tc>
                 <a:extLst>
                   <a:ext uri="{0D108BD9-81ED-4DB2-BD59-A6C34878D82A}">
-                    <a16:rowId xmlns:a16="http://schemas.microsoft.com/office/drawing/2014/main" val="10004"/>
+                    <a16:rowId xmlns:a16="http://schemas.microsoft.com/office/drawing/2014/main" xmlns="" val="10004"/>
                   </a:ext>
                 </a:extLst>
               </a:tr>
@@ -17412,6 +17444,14 @@
               </a:rPr>
               <a:t> SOFTWARE SPECIFICATION</a:t>
             </a:r>
+            <a:r>
+              <a:rPr lang="en-US" sz="1800" dirty="0">
+                <a:effectLst/>
+                <a:latin typeface="Times New Roman" panose="02020603050405020304" pitchFamily="18" charset="0"/>
+                <a:ea typeface="Times New Roman" panose="02020603050405020304" pitchFamily="18" charset="0"/>
+              </a:rPr>
+              <a:t/>
+            </a:r>
             <a:br>
               <a:rPr lang="en-US" sz="1800" dirty="0">
                 <a:effectLst/>
@@ -17537,6 +17577,14 @@
               </a:spcAft>
               <a:buNone/>
             </a:pPr>
+            <a:r>
+              <a:rPr lang="en-US" sz="1800" b="1" dirty="0">
+                <a:effectLst/>
+                <a:latin typeface="Times New Roman" panose="02020603050405020304" pitchFamily="18" charset="0"/>
+                <a:ea typeface="Calibri" panose="020F0502020204030204" pitchFamily="34" charset="0"/>
+              </a:rPr>
+              <a:t/>
+            </a:r>
             <a:br>
               <a:rPr lang="en-US" sz="1800" b="1" dirty="0">
                 <a:effectLst/>
@@ -18595,7 +18643,7 @@
   <a:extraClrSchemeLst/>
   <a:extLst>
     <a:ext uri="{05A4C25C-085E-4340-85A3-A5531E510DB2}">
-      <thm15:themeFamily xmlns:thm15="http://schemas.microsoft.com/office/thememl/2012/main" name="Office Theme" id="{62F939B6-93AF-4DB8-9C6B-D6C7DFDC589F}" vid="{4A3C46E8-61CC-4603-A589-7422A47A8E4A}"/>
+      <thm15:themeFamily xmlns:thm15="http://schemas.microsoft.com/office/thememl/2012/main" xmlns="" name="Office Theme" id="{62F939B6-93AF-4DB8-9C6B-D6C7DFDC589F}" vid="{4A3C46E8-61CC-4603-A589-7422A47A8E4A}"/>
     </a:ext>
   </a:extLst>
 </a:theme>
